--- a/www/combined plaqview credit photos/combined plaqview credit photos.pptx
+++ b/www/combined plaqview credit photos/combined plaqview credit photos.pptx
@@ -3594,7 +3594,7 @@
         </p:blipFill>
         <p:spPr>
           <a:xfrm>
-            <a:off x="872388" y="239970"/>
+            <a:off x="942727" y="239970"/>
             <a:ext cx="888068" cy="1377412"/>
           </a:xfrm>
           <a:prstGeom prst="rect">
